--- a/多媒體報告.pptx
+++ b/多媒體報告.pptx
@@ -450,7 +450,7 @@
           <a:p>
             <a:fld id="{43567464-2137-4A47-83E4-D88A720A79AF}" type="datetimeFigureOut">
               <a:rPr lang="zh-TW" altLang="en-US" smtClean="0"/>
-              <a:t>2023/12/3</a:t>
+              <a:t>2023/12/6</a:t>
             </a:fld>
             <a:endParaRPr lang="zh-TW" altLang="en-US"/>
           </a:p>
@@ -774,7 +774,7 @@
           <a:p>
             <a:fld id="{43567464-2137-4A47-83E4-D88A720A79AF}" type="datetimeFigureOut">
               <a:rPr lang="zh-TW" altLang="en-US" smtClean="0"/>
-              <a:t>2023/12/3</a:t>
+              <a:t>2023/12/6</a:t>
             </a:fld>
             <a:endParaRPr lang="zh-TW" altLang="en-US"/>
           </a:p>
@@ -1022,7 +1022,7 @@
           <a:p>
             <a:fld id="{43567464-2137-4A47-83E4-D88A720A79AF}" type="datetimeFigureOut">
               <a:rPr lang="zh-TW" altLang="en-US" smtClean="0"/>
-              <a:t>2023/12/3</a:t>
+              <a:t>2023/12/6</a:t>
             </a:fld>
             <a:endParaRPr lang="zh-TW" altLang="en-US"/>
           </a:p>
@@ -1361,7 +1361,7 @@
           <a:p>
             <a:fld id="{43567464-2137-4A47-83E4-D88A720A79AF}" type="datetimeFigureOut">
               <a:rPr lang="zh-TW" altLang="en-US" smtClean="0"/>
-              <a:t>2023/12/3</a:t>
+              <a:t>2023/12/6</a:t>
             </a:fld>
             <a:endParaRPr lang="zh-TW" altLang="en-US"/>
           </a:p>
@@ -1708,7 +1708,7 @@
           <a:p>
             <a:fld id="{43567464-2137-4A47-83E4-D88A720A79AF}" type="datetimeFigureOut">
               <a:rPr lang="zh-TW" altLang="en-US" smtClean="0"/>
-              <a:t>2023/12/3</a:t>
+              <a:t>2023/12/6</a:t>
             </a:fld>
             <a:endParaRPr lang="zh-TW" altLang="en-US"/>
           </a:p>
@@ -2082,7 +2082,7 @@
           <a:p>
             <a:fld id="{43567464-2137-4A47-83E4-D88A720A79AF}" type="datetimeFigureOut">
               <a:rPr lang="zh-TW" altLang="en-US" smtClean="0"/>
-              <a:t>2023/12/3</a:t>
+              <a:t>2023/12/6</a:t>
             </a:fld>
             <a:endParaRPr lang="zh-TW" altLang="en-US"/>
           </a:p>
@@ -2552,7 +2552,7 @@
           <a:p>
             <a:fld id="{43567464-2137-4A47-83E4-D88A720A79AF}" type="datetimeFigureOut">
               <a:rPr lang="zh-TW" altLang="en-US" smtClean="0"/>
-              <a:t>2023/12/3</a:t>
+              <a:t>2023/12/6</a:t>
             </a:fld>
             <a:endParaRPr lang="zh-TW" altLang="en-US"/>
           </a:p>
@@ -2757,7 +2757,7 @@
           <a:p>
             <a:fld id="{43567464-2137-4A47-83E4-D88A720A79AF}" type="datetimeFigureOut">
               <a:rPr lang="zh-TW" altLang="en-US" smtClean="0"/>
-              <a:t>2023/12/3</a:t>
+              <a:t>2023/12/6</a:t>
             </a:fld>
             <a:endParaRPr lang="zh-TW" altLang="en-US"/>
           </a:p>
@@ -2968,7 +2968,7 @@
           <a:p>
             <a:fld id="{43567464-2137-4A47-83E4-D88A720A79AF}" type="datetimeFigureOut">
               <a:rPr lang="zh-TW" altLang="en-US" smtClean="0"/>
-              <a:t>2023/12/3</a:t>
+              <a:t>2023/12/6</a:t>
             </a:fld>
             <a:endParaRPr lang="zh-TW" altLang="en-US"/>
           </a:p>
@@ -3200,7 +3200,7 @@
           <a:p>
             <a:fld id="{43567464-2137-4A47-83E4-D88A720A79AF}" type="datetimeFigureOut">
               <a:rPr lang="zh-TW" altLang="en-US" smtClean="0"/>
-              <a:t>2023/12/3</a:t>
+              <a:t>2023/12/6</a:t>
             </a:fld>
             <a:endParaRPr lang="zh-TW" altLang="en-US"/>
           </a:p>
@@ -3448,7 +3448,7 @@
           <a:p>
             <a:fld id="{43567464-2137-4A47-83E4-D88A720A79AF}" type="datetimeFigureOut">
               <a:rPr lang="zh-TW" altLang="en-US" smtClean="0"/>
-              <a:t>2023/12/3</a:t>
+              <a:t>2023/12/6</a:t>
             </a:fld>
             <a:endParaRPr lang="zh-TW" altLang="en-US"/>
           </a:p>
@@ -3746,7 +3746,7 @@
           <a:p>
             <a:fld id="{43567464-2137-4A47-83E4-D88A720A79AF}" type="datetimeFigureOut">
               <a:rPr lang="zh-TW" altLang="en-US" smtClean="0"/>
-              <a:t>2023/12/3</a:t>
+              <a:t>2023/12/6</a:t>
             </a:fld>
             <a:endParaRPr lang="zh-TW" altLang="en-US"/>
           </a:p>
@@ -4140,7 +4140,7 @@
           <a:p>
             <a:fld id="{43567464-2137-4A47-83E4-D88A720A79AF}" type="datetimeFigureOut">
               <a:rPr lang="zh-TW" altLang="en-US" smtClean="0"/>
-              <a:t>2023/12/3</a:t>
+              <a:t>2023/12/6</a:t>
             </a:fld>
             <a:endParaRPr lang="zh-TW" altLang="en-US"/>
           </a:p>
@@ -4289,7 +4289,7 @@
           <a:p>
             <a:fld id="{43567464-2137-4A47-83E4-D88A720A79AF}" type="datetimeFigureOut">
               <a:rPr lang="zh-TW" altLang="en-US" smtClean="0"/>
-              <a:t>2023/12/3</a:t>
+              <a:t>2023/12/6</a:t>
             </a:fld>
             <a:endParaRPr lang="zh-TW" altLang="en-US"/>
           </a:p>
@@ -4415,7 +4415,7 @@
           <a:p>
             <a:fld id="{43567464-2137-4A47-83E4-D88A720A79AF}" type="datetimeFigureOut">
               <a:rPr lang="zh-TW" altLang="en-US" smtClean="0"/>
-              <a:t>2023/12/3</a:t>
+              <a:t>2023/12/6</a:t>
             </a:fld>
             <a:endParaRPr lang="zh-TW" altLang="en-US"/>
           </a:p>
@@ -4670,7 +4670,7 @@
           <a:p>
             <a:fld id="{43567464-2137-4A47-83E4-D88A720A79AF}" type="datetimeFigureOut">
               <a:rPr lang="zh-TW" altLang="en-US" smtClean="0"/>
-              <a:t>2023/12/3</a:t>
+              <a:t>2023/12/6</a:t>
             </a:fld>
             <a:endParaRPr lang="zh-TW" altLang="en-US"/>
           </a:p>
@@ -4985,7 +4985,7 @@
           <a:p>
             <a:fld id="{43567464-2137-4A47-83E4-D88A720A79AF}" type="datetimeFigureOut">
               <a:rPr lang="zh-TW" altLang="en-US" smtClean="0"/>
-              <a:t>2023/12/3</a:t>
+              <a:t>2023/12/6</a:t>
             </a:fld>
             <a:endParaRPr lang="zh-TW" altLang="en-US"/>
           </a:p>
@@ -5336,7 +5336,7 @@
           <a:p>
             <a:fld id="{43567464-2137-4A47-83E4-D88A720A79AF}" type="datetimeFigureOut">
               <a:rPr lang="zh-TW" altLang="en-US" smtClean="0"/>
-              <a:t>2023/12/3</a:t>
+              <a:t>2023/12/6</a:t>
             </a:fld>
             <a:endParaRPr lang="zh-TW" altLang="en-US"/>
           </a:p>
@@ -5971,8 +5971,13 @@
             </a:r>
             <a:r>
               <a:rPr lang="en-US" altLang="zh-TW" dirty="0"/>
-              <a:t>:</a:t>
-            </a:r>
+              <a:t>:409410130</a:t>
+            </a:r>
+            <a:r>
+              <a:rPr lang="zh-TW" altLang="en-US"/>
+              <a:t>蔣秉真</a:t>
+            </a:r>
+            <a:endParaRPr lang="en-US" altLang="zh-TW" dirty="0"/>
           </a:p>
           <a:p>
             <a:r>
